--- a/Learning Phase/Week 1/Day 1/1. Maven/Slides/3. Structure/structure-slides.pptx
+++ b/Learning Phase/Week 1/Day 1/1. Maven/Slides/3. Structure/structure-slides.pptx
@@ -5,24 +5,24 @@
     <p:sldMasterId id="2147483648" r:id="rId1"/>
   </p:sldMasterIdLst>
   <p:notesMasterIdLst>
-    <p:notesMasterId r:id="rId15"/>
+    <p:notesMasterId r:id="rId14"/>
   </p:notesMasterIdLst>
   <p:handoutMasterIdLst>
-    <p:handoutMasterId r:id="rId16"/>
+    <p:handoutMasterId r:id="rId15"/>
   </p:handoutMasterIdLst>
   <p:sldIdLst>
-    <p:sldId id="256" r:id="rId3"/>
-    <p:sldId id="257" r:id="rId4"/>
-    <p:sldId id="258" r:id="rId5"/>
-    <p:sldId id="259" r:id="rId6"/>
-    <p:sldId id="260" r:id="rId7"/>
-    <p:sldId id="261" r:id="rId8"/>
-    <p:sldId id="262" r:id="rId9"/>
-    <p:sldId id="263" r:id="rId10"/>
-    <p:sldId id="264" r:id="rId11"/>
-    <p:sldId id="266" r:id="rId12"/>
-    <p:sldId id="265" r:id="rId13"/>
-    <p:sldId id="267" r:id="rId14"/>
+    <p:sldId id="256" r:id="rId2"/>
+    <p:sldId id="257" r:id="rId3"/>
+    <p:sldId id="258" r:id="rId4"/>
+    <p:sldId id="259" r:id="rId5"/>
+    <p:sldId id="260" r:id="rId6"/>
+    <p:sldId id="261" r:id="rId7"/>
+    <p:sldId id="262" r:id="rId8"/>
+    <p:sldId id="263" r:id="rId9"/>
+    <p:sldId id="264" r:id="rId10"/>
+    <p:sldId id="266" r:id="rId11"/>
+    <p:sldId id="265" r:id="rId12"/>
+    <p:sldId id="267" r:id="rId13"/>
   </p:sldIdLst>
   <p:sldSz cx="16256000" cy="9144000"/>
   <p:notesSz cx="16256000" cy="9144000"/>
@@ -118,6 +118,22 @@
       </a:defRPr>
     </a:lvl9pPr>
   </p:defaultTextStyle>
+  <p:extLst>
+    <p:ext uri="{EFAFB233-063F-42B5-8137-9DF3F51BA10A}">
+      <p15:sldGuideLst xmlns:p15="http://schemas.microsoft.com/office/powerpoint/2012/main">
+        <p15:guide id="1" orient="horz" pos="2880">
+          <p15:clr>
+            <a:srgbClr val="A4A3A4"/>
+          </p15:clr>
+        </p15:guide>
+        <p15:guide id="2" pos="2160">
+          <p15:clr>
+            <a:srgbClr val="A4A3A4"/>
+          </p15:clr>
+        </p15:guide>
+      </p15:sldGuideLst>
+    </p:ext>
+  </p:extLst>
 </p:presentation>
 </file>
 
@@ -203,6 +219,7 @@
           <a:p>
             <a:fld id="{696C064A-D61B-4B21-B757-51A9B82445B8}" type="datetimeFigureOut">
               <a:rPr lang="en-US" smtClean="0"/>
+              <a:t>11/26/2024</a:t>
             </a:fld>
             <a:endParaRPr lang="en-US"/>
           </a:p>
@@ -268,12 +285,18 @@
           <a:p>
             <a:fld id="{50305E07-67EA-4042-A3F6-853A8AD8D209}" type="slidenum">
               <a:rPr lang="en-US" smtClean="0"/>
+              <a:t>‹#›</a:t>
             </a:fld>
             <a:endParaRPr lang="en-US"/>
           </a:p>
         </p:txBody>
       </p:sp>
     </p:spTree>
+    <p:extLst>
+      <p:ext uri="{BB962C8B-B14F-4D97-AF65-F5344CB8AC3E}">
+        <p14:creationId xmlns:p14="http://schemas.microsoft.com/office/powerpoint/2010/main" val="1"/>
+      </p:ext>
+    </p:extLst>
   </p:cSld>
   <p:clrMap bg1="lt1" tx1="dk1" bg2="lt2" tx2="dk2" accent1="accent1" accent2="accent2" accent3="accent3" accent4="accent4" accent5="accent5" accent6="accent6" hlink="hlink" folHlink="folHlink"/>
 </p:handoutMaster>
@@ -361,6 +384,7 @@
           <a:p>
             <a:fld id="{3EFD42F7-718C-4B98-AAEC-167E6DDD60A7}" type="datetimeFigureOut">
               <a:rPr lang="en-US" smtClean="0"/>
+              <a:t>11/26/2024</a:t>
             </a:fld>
             <a:endParaRPr lang="en-US"/>
           </a:p>
@@ -424,42 +448,37 @@
           <a:p>
             <a:pPr lvl="0"/>
             <a:r>
-              <a:rPr lang="en-US" smtClean="0"/>
+              <a:rPr lang="en-US"/>
               <a:t>Click to edit Master text styles</a:t>
             </a:r>
-            <a:endParaRPr lang="en-US" smtClean="0"/>
           </a:p>
           <a:p>
             <a:pPr lvl="1"/>
             <a:r>
-              <a:rPr lang="en-US" smtClean="0"/>
+              <a:rPr lang="en-US"/>
               <a:t>Second level</a:t>
             </a:r>
-            <a:endParaRPr lang="en-US" smtClean="0"/>
           </a:p>
           <a:p>
             <a:pPr lvl="2"/>
             <a:r>
-              <a:rPr lang="en-US" smtClean="0"/>
+              <a:rPr lang="en-US"/>
               <a:t>Third level</a:t>
             </a:r>
-            <a:endParaRPr lang="en-US" smtClean="0"/>
           </a:p>
           <a:p>
             <a:pPr lvl="3"/>
             <a:r>
-              <a:rPr lang="en-US" smtClean="0"/>
+              <a:rPr lang="en-US"/>
               <a:t>Fourth level</a:t>
             </a:r>
-            <a:endParaRPr lang="en-US" smtClean="0"/>
           </a:p>
           <a:p>
             <a:pPr lvl="4"/>
             <a:r>
-              <a:rPr lang="en-US" smtClean="0"/>
+              <a:rPr lang="en-US"/>
               <a:t>Fifth level</a:t>
             </a:r>
-            <a:endParaRPr lang="en-US"/>
           </a:p>
         </p:txBody>
       </p:sp>
@@ -523,6 +542,7 @@
           <a:p>
             <a:fld id="{21B2AA4F-B828-4D7C-AFD3-893933DAFCB4}" type="slidenum">
               <a:rPr lang="en-US" smtClean="0"/>
+              <a:t>‹#›</a:t>
             </a:fld>
             <a:endParaRPr lang="en-US"/>
           </a:p>
@@ -626,8 +646,92 @@
 </p:notesMaster>
 </file>
 
+<file path=ppt/notesSlides/notesSlide1.xml><?xml version="1.0" encoding="utf-8"?>
+<p:notes xmlns:a="http://schemas.openxmlformats.org/drawingml/2006/main" xmlns:r="http://schemas.openxmlformats.org/officeDocument/2006/relationships" xmlns:p="http://schemas.openxmlformats.org/presentationml/2006/main">
+  <p:cSld>
+    <p:spTree>
+      <p:nvGrpSpPr>
+        <p:cNvPr id="1" name=""/>
+        <p:cNvGrpSpPr/>
+        <p:nvPr/>
+      </p:nvGrpSpPr>
+      <p:grpSpPr>
+        <a:xfrm>
+          <a:off x="0" y="0"/>
+          <a:ext cx="0" cy="0"/>
+          <a:chOff x="0" y="0"/>
+          <a:chExt cx="0" cy="0"/>
+        </a:xfrm>
+      </p:grpSpPr>
+      <p:sp>
+        <p:nvSpPr>
+          <p:cNvPr id="2" name="Slide Image Placeholder 1"/>
+          <p:cNvSpPr>
+            <a:spLocks noGrp="1" noRot="1" noChangeAspect="1"/>
+          </p:cNvSpPr>
+          <p:nvPr>
+            <p:ph type="sldImg"/>
+          </p:nvPr>
+        </p:nvSpPr>
+        <p:spPr/>
+      </p:sp>
+      <p:sp>
+        <p:nvSpPr>
+          <p:cNvPr id="3" name="Notes Placeholder 2"/>
+          <p:cNvSpPr>
+            <a:spLocks noGrp="1"/>
+          </p:cNvSpPr>
+          <p:nvPr>
+            <p:ph type="body" idx="1"/>
+          </p:nvPr>
+        </p:nvSpPr>
+        <p:spPr/>
+        <p:txBody>
+          <a:bodyPr/>
+          <a:lstStyle/>
+          <a:p>
+            <a:endParaRPr lang="en-IN"/>
+          </a:p>
+        </p:txBody>
+      </p:sp>
+      <p:sp>
+        <p:nvSpPr>
+          <p:cNvPr id="4" name="Slide Number Placeholder 3"/>
+          <p:cNvSpPr>
+            <a:spLocks noGrp="1"/>
+          </p:cNvSpPr>
+          <p:nvPr>
+            <p:ph type="sldNum" sz="quarter" idx="5"/>
+          </p:nvPr>
+        </p:nvSpPr>
+        <p:spPr/>
+        <p:txBody>
+          <a:bodyPr/>
+          <a:lstStyle/>
+          <a:p>
+            <a:fld id="{21B2AA4F-B828-4D7C-AFD3-893933DAFCB4}" type="slidenum">
+              <a:rPr lang="en-US" smtClean="0"/>
+              <a:t>11</a:t>
+            </a:fld>
+            <a:endParaRPr lang="en-US"/>
+          </a:p>
+        </p:txBody>
+      </p:sp>
+    </p:spTree>
+    <p:extLst>
+      <p:ext uri="{BB962C8B-B14F-4D97-AF65-F5344CB8AC3E}">
+        <p14:creationId xmlns:p14="http://schemas.microsoft.com/office/powerpoint/2010/main" val="3996004340"/>
+      </p:ext>
+    </p:extLst>
+  </p:cSld>
+  <p:clrMapOvr>
+    <a:masterClrMapping/>
+  </p:clrMapOvr>
+</p:notes>
+</file>
+
 <file path=ppt/slideLayouts/slideLayout1.xml><?xml version="1.0" encoding="utf-8"?>
-<p:sldLayout xmlns:a="http://schemas.openxmlformats.org/drawingml/2006/main" xmlns:r="http://schemas.openxmlformats.org/officeDocument/2006/relationships" xmlns:p="http://schemas.openxmlformats.org/presentationml/2006/main" type="obj" preserve="1" showMasterSp="0">
+<p:sldLayout xmlns:a="http://schemas.openxmlformats.org/drawingml/2006/main" xmlns:r="http://schemas.openxmlformats.org/officeDocument/2006/relationships" xmlns:p="http://schemas.openxmlformats.org/presentationml/2006/main" showMasterSp="0" type="obj" preserve="1">
   <p:cSld name="Title Slide">
     <p:bg>
       <p:bgPr>
@@ -688,7 +792,9 @@
         <p:txBody>
           <a:bodyPr wrap="square" lIns="0" tIns="0" rIns="0" bIns="0" rtlCol="0"/>
           <a:lstStyle/>
-          <a:p/>
+          <a:p>
+            <a:endParaRPr/>
+          </a:p>
         </p:txBody>
       </p:sp>
       <p:sp>
@@ -725,7 +831,9 @@
               </a:defRPr>
             </a:lvl1pPr>
           </a:lstStyle>
-          <a:p/>
+          <a:p>
+            <a:endParaRPr/>
+          </a:p>
         </p:txBody>
       </p:sp>
       <p:sp>
@@ -756,7 +864,9 @@
               <a:defRPr/>
             </a:lvl1pPr>
           </a:lstStyle>
-          <a:p/>
+          <a:p>
+            <a:endParaRPr/>
+          </a:p>
         </p:txBody>
       </p:sp>
       <p:sp>
@@ -783,7 +893,9 @@
               </a:defRPr>
             </a:lvl1pPr>
           </a:lstStyle>
-          <a:p/>
+          <a:p>
+            <a:endParaRPr/>
+          </a:p>
         </p:txBody>
       </p:sp>
       <p:sp>
@@ -813,6 +925,7 @@
           <a:p>
             <a:fld id="{1D8BD707-D9CF-40AE-B4C6-C98DA3205C09}" type="datetimeFigureOut">
               <a:rPr lang="en-US"/>
+              <a:t>11/26/2024</a:t>
             </a:fld>
             <a:endParaRPr lang="en-US"/>
           </a:p>
@@ -845,6 +958,7 @@
           <a:p>
             <a:fld id="{B6F15528-21DE-4FAA-801E-634DDDAF4B2B}" type="slidenum">
               <a:rPr/>
+              <a:t>‹#›</a:t>
             </a:fld>
             <a:endParaRPr/>
           </a:p>
@@ -860,7 +974,7 @@
 </file>
 
 <file path=ppt/slideLayouts/slideLayout2.xml><?xml version="1.0" encoding="utf-8"?>
-<p:sldLayout xmlns:a="http://schemas.openxmlformats.org/drawingml/2006/main" xmlns:r="http://schemas.openxmlformats.org/officeDocument/2006/relationships" xmlns:p="http://schemas.openxmlformats.org/presentationml/2006/main" type="obj" preserve="1" showMasterSp="0">
+<p:sldLayout xmlns:a="http://schemas.openxmlformats.org/drawingml/2006/main" xmlns:r="http://schemas.openxmlformats.org/officeDocument/2006/relationships" xmlns:p="http://schemas.openxmlformats.org/presentationml/2006/main" showMasterSp="0" type="obj" preserve="1">
   <p:cSld name="Title and Content">
     <p:bg>
       <p:bgPr>
@@ -929,7 +1043,9 @@
         <p:txBody>
           <a:bodyPr wrap="square" lIns="0" tIns="0" rIns="0" bIns="0" rtlCol="0"/>
           <a:lstStyle/>
-          <a:p/>
+          <a:p>
+            <a:endParaRPr/>
+          </a:p>
         </p:txBody>
       </p:sp>
       <p:sp>
@@ -956,7 +1072,9 @@
               </a:defRPr>
             </a:lvl1pPr>
           </a:lstStyle>
-          <a:p/>
+          <a:p>
+            <a:endParaRPr/>
+          </a:p>
         </p:txBody>
       </p:sp>
       <p:sp>
@@ -981,7 +1099,9 @@
               </a:defRPr>
             </a:lvl1pPr>
           </a:lstStyle>
-          <a:p/>
+          <a:p>
+            <a:endParaRPr/>
+          </a:p>
         </p:txBody>
       </p:sp>
       <p:sp>
@@ -1008,7 +1128,9 @@
               </a:defRPr>
             </a:lvl1pPr>
           </a:lstStyle>
-          <a:p/>
+          <a:p>
+            <a:endParaRPr/>
+          </a:p>
         </p:txBody>
       </p:sp>
       <p:sp>
@@ -1038,6 +1160,7 @@
           <a:p>
             <a:fld id="{1D8BD707-D9CF-40AE-B4C6-C98DA3205C09}" type="datetimeFigureOut">
               <a:rPr lang="en-US"/>
+              <a:t>11/26/2024</a:t>
             </a:fld>
             <a:endParaRPr lang="en-US"/>
           </a:p>
@@ -1070,6 +1193,7 @@
           <a:p>
             <a:fld id="{B6F15528-21DE-4FAA-801E-634DDDAF4B2B}" type="slidenum">
               <a:rPr/>
+              <a:t>‹#›</a:t>
             </a:fld>
             <a:endParaRPr/>
           </a:p>
@@ -1085,7 +1209,7 @@
 </file>
 
 <file path=ppt/slideLayouts/slideLayout3.xml><?xml version="1.0" encoding="utf-8"?>
-<p:sldLayout xmlns:a="http://schemas.openxmlformats.org/drawingml/2006/main" xmlns:r="http://schemas.openxmlformats.org/officeDocument/2006/relationships" xmlns:p="http://schemas.openxmlformats.org/presentationml/2006/main" type="obj" preserve="1" showMasterSp="0">
+<p:sldLayout xmlns:a="http://schemas.openxmlformats.org/drawingml/2006/main" xmlns:r="http://schemas.openxmlformats.org/officeDocument/2006/relationships" xmlns:p="http://schemas.openxmlformats.org/presentationml/2006/main" showMasterSp="0" type="obj" preserve="1">
   <p:cSld name="Two Content">
     <p:bg>
       <p:bgPr>
@@ -1155,7 +1279,9 @@
               </a:defRPr>
             </a:lvl1pPr>
           </a:lstStyle>
-          <a:p/>
+          <a:p>
+            <a:endParaRPr/>
+          </a:p>
         </p:txBody>
       </p:sp>
       <p:sp>
@@ -1186,7 +1312,9 @@
               <a:defRPr/>
             </a:lvl1pPr>
           </a:lstStyle>
-          <a:p/>
+          <a:p>
+            <a:endParaRPr/>
+          </a:p>
         </p:txBody>
       </p:sp>
       <p:sp>
@@ -1217,7 +1345,9 @@
               <a:defRPr/>
             </a:lvl1pPr>
           </a:lstStyle>
-          <a:p/>
+          <a:p>
+            <a:endParaRPr/>
+          </a:p>
         </p:txBody>
       </p:sp>
       <p:sp>
@@ -1244,7 +1374,9 @@
               </a:defRPr>
             </a:lvl1pPr>
           </a:lstStyle>
-          <a:p/>
+          <a:p>
+            <a:endParaRPr/>
+          </a:p>
         </p:txBody>
       </p:sp>
       <p:sp>
@@ -1274,6 +1406,7 @@
           <a:p>
             <a:fld id="{1D8BD707-D9CF-40AE-B4C6-C98DA3205C09}" type="datetimeFigureOut">
               <a:rPr lang="en-US"/>
+              <a:t>11/26/2024</a:t>
             </a:fld>
             <a:endParaRPr lang="en-US"/>
           </a:p>
@@ -1306,6 +1439,7 @@
           <a:p>
             <a:fld id="{B6F15528-21DE-4FAA-801E-634DDDAF4B2B}" type="slidenum">
               <a:rPr/>
+              <a:t>‹#›</a:t>
             </a:fld>
             <a:endParaRPr/>
           </a:p>
@@ -1321,7 +1455,7 @@
 </file>
 
 <file path=ppt/slideLayouts/slideLayout4.xml><?xml version="1.0" encoding="utf-8"?>
-<p:sldLayout xmlns:a="http://schemas.openxmlformats.org/drawingml/2006/main" xmlns:r="http://schemas.openxmlformats.org/officeDocument/2006/relationships" xmlns:p="http://schemas.openxmlformats.org/presentationml/2006/main" type="obj" preserve="1" showMasterSp="0">
+<p:sldLayout xmlns:a="http://schemas.openxmlformats.org/drawingml/2006/main" xmlns:r="http://schemas.openxmlformats.org/officeDocument/2006/relationships" xmlns:p="http://schemas.openxmlformats.org/presentationml/2006/main" showMasterSp="0" type="obj" preserve="1">
   <p:cSld name="Title Only">
     <p:bg>
       <p:bgPr>
@@ -1382,7 +1516,9 @@
         <p:txBody>
           <a:bodyPr wrap="square" lIns="0" tIns="0" rIns="0" bIns="0" rtlCol="0"/>
           <a:lstStyle/>
-          <a:p/>
+          <a:p>
+            <a:endParaRPr/>
+          </a:p>
         </p:txBody>
       </p:sp>
       <p:sp>
@@ -1409,7 +1545,9 @@
               </a:defRPr>
             </a:lvl1pPr>
           </a:lstStyle>
-          <a:p/>
+          <a:p>
+            <a:endParaRPr/>
+          </a:p>
         </p:txBody>
       </p:sp>
       <p:sp>
@@ -1436,7 +1574,9 @@
               </a:defRPr>
             </a:lvl1pPr>
           </a:lstStyle>
-          <a:p/>
+          <a:p>
+            <a:endParaRPr/>
+          </a:p>
         </p:txBody>
       </p:sp>
       <p:sp>
@@ -1466,6 +1606,7 @@
           <a:p>
             <a:fld id="{1D8BD707-D9CF-40AE-B4C6-C98DA3205C09}" type="datetimeFigureOut">
               <a:rPr lang="en-US"/>
+              <a:t>11/26/2024</a:t>
             </a:fld>
             <a:endParaRPr lang="en-US"/>
           </a:p>
@@ -1498,6 +1639,7 @@
           <a:p>
             <a:fld id="{B6F15528-21DE-4FAA-801E-634DDDAF4B2B}" type="slidenum">
               <a:rPr/>
+              <a:t>‹#›</a:t>
             </a:fld>
             <a:endParaRPr/>
           </a:p>
@@ -1513,7 +1655,7 @@
 </file>
 
 <file path=ppt/slideLayouts/slideLayout5.xml><?xml version="1.0" encoding="utf-8"?>
-<p:sldLayout xmlns:a="http://schemas.openxmlformats.org/drawingml/2006/main" xmlns:r="http://schemas.openxmlformats.org/officeDocument/2006/relationships" xmlns:p="http://schemas.openxmlformats.org/presentationml/2006/main" type="obj" preserve="1" showMasterSp="0">
+<p:sldLayout xmlns:a="http://schemas.openxmlformats.org/drawingml/2006/main" xmlns:r="http://schemas.openxmlformats.org/officeDocument/2006/relationships" xmlns:p="http://schemas.openxmlformats.org/presentationml/2006/main" showMasterSp="0" type="obj" preserve="1">
   <p:cSld name="Blank">
     <p:bg>
       <p:bgPr>
@@ -1574,7 +1716,9 @@
         <p:txBody>
           <a:bodyPr wrap="square" lIns="0" tIns="0" rIns="0" bIns="0" rtlCol="0"/>
           <a:lstStyle/>
-          <a:p/>
+          <a:p>
+            <a:endParaRPr/>
+          </a:p>
         </p:txBody>
       </p:sp>
       <p:sp>
@@ -1601,7 +1745,9 @@
               </a:defRPr>
             </a:lvl1pPr>
           </a:lstStyle>
-          <a:p/>
+          <a:p>
+            <a:endParaRPr/>
+          </a:p>
         </p:txBody>
       </p:sp>
       <p:sp>
@@ -1631,6 +1777,7 @@
           <a:p>
             <a:fld id="{1D8BD707-D9CF-40AE-B4C6-C98DA3205C09}" type="datetimeFigureOut">
               <a:rPr lang="en-US"/>
+              <a:t>11/26/2024</a:t>
             </a:fld>
             <a:endParaRPr lang="en-US"/>
           </a:p>
@@ -1663,6 +1810,7 @@
           <a:p>
             <a:fld id="{B6F15528-21DE-4FAA-801E-634DDDAF4B2B}" type="slidenum">
               <a:rPr/>
+              <a:t>‹#›</a:t>
             </a:fld>
             <a:endParaRPr/>
           </a:p>
@@ -1736,7 +1884,9 @@
               </a:defRPr>
             </a:lvl1pPr>
           </a:lstStyle>
-          <a:p/>
+          <a:p>
+            <a:endParaRPr/>
+          </a:p>
         </p:txBody>
       </p:sp>
       <p:sp>
@@ -1771,7 +1921,9 @@
               </a:defRPr>
             </a:lvl1pPr>
           </a:lstStyle>
-          <a:p/>
+          <a:p>
+            <a:endParaRPr/>
+          </a:p>
         </p:txBody>
       </p:sp>
       <p:sp>
@@ -1808,7 +1960,9 @@
               </a:defRPr>
             </a:lvl1pPr>
           </a:lstStyle>
-          <a:p/>
+          <a:p>
+            <a:endParaRPr/>
+          </a:p>
         </p:txBody>
       </p:sp>
       <p:sp>
@@ -1848,6 +2002,7 @@
           <a:p>
             <a:fld id="{1D8BD707-D9CF-40AE-B4C6-C98DA3205C09}" type="datetimeFigureOut">
               <a:rPr lang="en-US"/>
+              <a:t>11/26/2024</a:t>
             </a:fld>
             <a:endParaRPr lang="en-US"/>
           </a:p>
@@ -1890,6 +2045,7 @@
           <a:p>
             <a:fld id="{B6F15528-21DE-4FAA-801E-634DDDAF4B2B}" type="slidenum">
               <a:rPr/>
+              <a:t>‹#›</a:t>
             </a:fld>
             <a:endParaRPr/>
           </a:p>
@@ -2074,7 +2230,7 @@
           <p:nvPr/>
         </p:nvPicPr>
         <p:blipFill>
-          <a:blip r:embed="rId1" cstate="print"/>
+          <a:blip r:embed="rId2" cstate="print"/>
           <a:stretch>
             <a:fillRect/>
           </a:stretch>
@@ -2147,9 +2303,11 @@
         <p:spPr/>
         <p:txBody>
           <a:bodyPr/>
+          <a:lstStyle/>
           <a:p>
             <a:fld id="{B6F15528-21DE-4FAA-801E-634DDDAF4B2B}" type="slidenum">
               <a:rPr/>
+              <a:t>1</a:t>
             </a:fld>
             <a:endParaRPr/>
           </a:p>
@@ -2363,9 +2521,11 @@
         <p:spPr/>
         <p:txBody>
           <a:bodyPr/>
+          <a:lstStyle/>
           <a:p>
             <a:fld id="{B6F15528-21DE-4FAA-801E-634DDDAF4B2B}" type="slidenum">
               <a:rPr/>
+              <a:t>10</a:t>
             </a:fld>
             <a:endParaRPr/>
           </a:p>
@@ -2404,7 +2564,7 @@
         </p:nvSpPr>
         <p:spPr>
           <a:xfrm>
-            <a:off x="6908800" y="2692400"/>
+            <a:off x="6908800" y="2740660"/>
             <a:ext cx="7204709" cy="3662679"/>
           </a:xfrm>
           <a:prstGeom prst="rect">
@@ -2446,7 +2606,7 @@
               </a:rPr>
               <a:t>storage</a:t>
             </a:r>
-            <a:endParaRPr sz="3200">
+            <a:endParaRPr sz="3200" dirty="0">
               <a:latin typeface="Verdana" panose="020B0604030504040204"/>
               <a:cs typeface="Verdana" panose="020B0604030504040204"/>
             </a:endParaRPr>
@@ -2523,7 +2683,7 @@
               </a:rPr>
               <a:t>info</a:t>
             </a:r>
-            <a:endParaRPr sz="3200">
+            <a:endParaRPr sz="3200" dirty="0">
               <a:latin typeface="Verdana" panose="020B0604030504040204"/>
               <a:cs typeface="Verdana" panose="020B0604030504040204"/>
             </a:endParaRPr>
@@ -2604,7 +2764,7 @@
               </a:rPr>
               <a:t>duplication</a:t>
             </a:r>
-            <a:endParaRPr sz="3200">
+            <a:endParaRPr sz="3200" dirty="0">
               <a:latin typeface="Verdana" panose="020B0604030504040204"/>
               <a:cs typeface="Verdana" panose="020B0604030504040204"/>
             </a:endParaRPr>
@@ -2618,7 +2778,7 @@
           <p:nvPr/>
         </p:nvPicPr>
         <p:blipFill>
-          <a:blip r:embed="rId1" cstate="print"/>
+          <a:blip r:embed="rId3" cstate="print"/>
           <a:srcRect b="18053"/>
           <a:stretch>
             <a:fillRect/>
@@ -2647,9 +2807,11 @@
         <p:spPr/>
         <p:txBody>
           <a:bodyPr/>
+          <a:lstStyle/>
           <a:p>
             <a:fld id="{B6F15528-21DE-4FAA-801E-634DDDAF4B2B}" type="slidenum">
               <a:rPr/>
+              <a:t>11</a:t>
             </a:fld>
             <a:endParaRPr/>
           </a:p>
@@ -2969,9 +3131,11 @@
         <p:spPr/>
         <p:txBody>
           <a:bodyPr/>
+          <a:lstStyle/>
           <a:p>
             <a:fld id="{B6F15528-21DE-4FAA-801E-634DDDAF4B2B}" type="slidenum">
               <a:rPr/>
+              <a:t>12</a:t>
             </a:fld>
             <a:endParaRPr/>
           </a:p>
@@ -3039,7 +3203,9 @@
         <p:txBody>
           <a:bodyPr wrap="square" lIns="0" tIns="0" rIns="0" bIns="0" rtlCol="0"/>
           <a:lstStyle/>
-          <a:p/>
+          <a:p>
+            <a:endParaRPr/>
+          </a:p>
         </p:txBody>
       </p:sp>
       <p:sp>
@@ -3340,9 +3506,11 @@
         <p:spPr/>
         <p:txBody>
           <a:bodyPr/>
+          <a:lstStyle/>
           <a:p>
             <a:fld id="{B6F15528-21DE-4FAA-801E-634DDDAF4B2B}" type="slidenum">
               <a:rPr/>
+              <a:t>2</a:t>
             </a:fld>
             <a:endParaRPr/>
           </a:p>
@@ -3410,7 +3578,9 @@
         <p:txBody>
           <a:bodyPr wrap="square" lIns="0" tIns="0" rIns="0" bIns="0" rtlCol="0"/>
           <a:lstStyle/>
-          <a:p/>
+          <a:p>
+            <a:endParaRPr/>
+          </a:p>
         </p:txBody>
       </p:sp>
       <p:sp>
@@ -3500,7 +3670,7 @@
           <p:nvPr/>
         </p:nvPicPr>
         <p:blipFill>
-          <a:blip r:embed="rId1" cstate="print"/>
+          <a:blip r:embed="rId2" cstate="print"/>
           <a:stretch>
             <a:fillRect/>
           </a:stretch>
@@ -3528,9 +3698,11 @@
         <p:spPr/>
         <p:txBody>
           <a:bodyPr/>
+          <a:lstStyle/>
           <a:p>
             <a:fld id="{B6F15528-21DE-4FAA-801E-634DDDAF4B2B}" type="slidenum">
               <a:rPr/>
+              <a:t>3</a:t>
             </a:fld>
             <a:endParaRPr/>
           </a:p>
@@ -3826,9 +3998,11 @@
         <p:spPr/>
         <p:txBody>
           <a:bodyPr/>
+          <a:lstStyle/>
           <a:p>
             <a:fld id="{B6F15528-21DE-4FAA-801E-634DDDAF4B2B}" type="slidenum">
               <a:rPr/>
+              <a:t>4</a:t>
             </a:fld>
             <a:endParaRPr/>
           </a:p>
@@ -3900,7 +4074,6 @@
               <a:rPr spc="30" dirty="0"/>
               <a:t>Directory</a:t>
             </a:r>
-            <a:endParaRPr spc="30" dirty="0"/>
           </a:p>
           <a:p>
             <a:pPr marL="2123440">
@@ -3915,7 +4088,6 @@
               <a:rPr spc="-75" dirty="0"/>
               <a:t>Tests</a:t>
             </a:r>
-            <a:endParaRPr spc="-75" dirty="0"/>
           </a:p>
         </p:txBody>
       </p:sp>
@@ -3983,7 +4155,7 @@
           <p:nvPr/>
         </p:nvPicPr>
         <p:blipFill>
-          <a:blip r:embed="rId1" cstate="print"/>
+          <a:blip r:embed="rId2" cstate="print"/>
           <a:stretch>
             <a:fillRect/>
           </a:stretch>
@@ -4011,9 +4183,11 @@
         <p:spPr/>
         <p:txBody>
           <a:bodyPr/>
+          <a:lstStyle/>
           <a:p>
             <a:fld id="{B6F15528-21DE-4FAA-801E-634DDDAF4B2B}" type="slidenum">
               <a:rPr/>
+              <a:t>5</a:t>
             </a:fld>
             <a:endParaRPr/>
           </a:p>
@@ -4081,7 +4255,6 @@
               <a:rPr spc="-110" dirty="0"/>
               <a:t>pom.xml</a:t>
             </a:r>
-            <a:endParaRPr spc="-110" dirty="0"/>
           </a:p>
         </p:txBody>
       </p:sp>
@@ -4161,7 +4334,7 @@
                 </a:solidFill>
                 <a:latin typeface="Courier New" panose="02070309020205020404"/>
                 <a:cs typeface="Courier New" panose="02070309020205020404"/>
-                <a:hlinkClick r:id="rId1"/>
+                <a:hlinkClick r:id="rId2"/>
               </a:rPr>
               <a:t>"http://maven.apache.org/POM/4.0.0" </a:t>
             </a:r>
@@ -4199,45 +4372,45 @@
                 </a:solidFill>
                 <a:latin typeface="Courier New" panose="02070309020205020404"/>
                 <a:cs typeface="Courier New" panose="02070309020205020404"/>
+                <a:hlinkClick r:id="rId3"/>
+              </a:rPr>
+              <a:t>"http://www.w3.org/2001/XMLSchema-instance" </a:t>
+            </a:r>
+            <a:r>
+              <a:rPr sz="2800" spc="-1670" dirty="0">
+                <a:solidFill>
+                  <a:srgbClr val="3933FF"/>
+                </a:solidFill>
+                <a:latin typeface="Courier New" panose="02070309020205020404"/>
+                <a:cs typeface="Courier New" panose="02070309020205020404"/>
+              </a:rPr>
+              <a:t> </a:t>
+            </a:r>
+            <a:r>
+              <a:rPr sz="2800" spc="-5" dirty="0">
+                <a:solidFill>
+                  <a:srgbClr val="932192"/>
+                </a:solidFill>
+                <a:latin typeface="Courier New" panose="02070309020205020404"/>
+                <a:cs typeface="Courier New" panose="02070309020205020404"/>
+              </a:rPr>
+              <a:t>xsi:schemaLocation</a:t>
+            </a:r>
+            <a:r>
+              <a:rPr sz="2800" spc="-5" dirty="0">
+                <a:latin typeface="Courier New" panose="02070309020205020404"/>
+                <a:cs typeface="Courier New" panose="02070309020205020404"/>
+              </a:rPr>
+              <a:t>=</a:t>
+            </a:r>
+            <a:r>
+              <a:rPr sz="2800" spc="-5" dirty="0">
+                <a:solidFill>
+                  <a:srgbClr val="3933FF"/>
+                </a:solidFill>
+                <a:latin typeface="Courier New" panose="02070309020205020404"/>
+                <a:cs typeface="Courier New" panose="02070309020205020404"/>
                 <a:hlinkClick r:id="rId2"/>
-              </a:rPr>
-              <a:t>"http://www.w3.org/2001/XMLSchema-instance" </a:t>
-            </a:r>
-            <a:r>
-              <a:rPr sz="2800" spc="-1670" dirty="0">
-                <a:solidFill>
-                  <a:srgbClr val="3933FF"/>
-                </a:solidFill>
-                <a:latin typeface="Courier New" panose="02070309020205020404"/>
-                <a:cs typeface="Courier New" panose="02070309020205020404"/>
-              </a:rPr>
-              <a:t> </a:t>
-            </a:r>
-            <a:r>
-              <a:rPr sz="2800" spc="-5" dirty="0">
-                <a:solidFill>
-                  <a:srgbClr val="932192"/>
-                </a:solidFill>
-                <a:latin typeface="Courier New" panose="02070309020205020404"/>
-                <a:cs typeface="Courier New" panose="02070309020205020404"/>
-              </a:rPr>
-              <a:t>xsi:schemaLocation</a:t>
-            </a:r>
-            <a:r>
-              <a:rPr sz="2800" spc="-5" dirty="0">
-                <a:latin typeface="Courier New" panose="02070309020205020404"/>
-                <a:cs typeface="Courier New" panose="02070309020205020404"/>
-              </a:rPr>
-              <a:t>=</a:t>
-            </a:r>
-            <a:r>
-              <a:rPr sz="2800" spc="-5" dirty="0">
-                <a:solidFill>
-                  <a:srgbClr val="3933FF"/>
-                </a:solidFill>
-                <a:latin typeface="Courier New" panose="02070309020205020404"/>
-                <a:cs typeface="Courier New" panose="02070309020205020404"/>
-                <a:hlinkClick r:id="rId1"/>
               </a:rPr>
               <a:t>"http://maven.apache.org/POM/4.0.0</a:t>
             </a:r>
@@ -4262,7 +4435,7 @@
                 </a:solidFill>
                 <a:latin typeface="Courier New" panose="02070309020205020404"/>
                 <a:cs typeface="Courier New" panose="02070309020205020404"/>
-                <a:hlinkClick r:id="rId3"/>
+                <a:hlinkClick r:id="rId4"/>
               </a:rPr>
               <a:t>http://maven.apache.org/maven-v4_0_0.xsd"</a:t>
             </a:r>
@@ -4713,9 +4886,11 @@
         <p:spPr/>
         <p:txBody>
           <a:bodyPr/>
+          <a:lstStyle/>
           <a:p>
             <a:fld id="{B6F15528-21DE-4FAA-801E-634DDDAF4B2B}" type="slidenum">
               <a:rPr/>
+              <a:t>6</a:t>
             </a:fld>
             <a:endParaRPr/>
           </a:p>
@@ -4949,9 +5124,11 @@
         <p:spPr/>
         <p:txBody>
           <a:bodyPr/>
+          <a:lstStyle/>
           <a:p>
             <a:fld id="{B6F15528-21DE-4FAA-801E-634DDDAF4B2B}" type="slidenum">
               <a:rPr/>
+              <a:t>7</a:t>
             </a:fld>
             <a:endParaRPr/>
           </a:p>
@@ -5039,7 +5216,6 @@
               <a:rPr spc="35" dirty="0"/>
               <a:t>dependency</a:t>
             </a:r>
-            <a:endParaRPr spc="35" dirty="0"/>
           </a:p>
         </p:txBody>
       </p:sp>
@@ -5119,7 +5295,7 @@
                 </a:solidFill>
                 <a:latin typeface="Courier New" panose="02070309020205020404"/>
                 <a:cs typeface="Courier New" panose="02070309020205020404"/>
-                <a:hlinkClick r:id="rId1"/>
+                <a:hlinkClick r:id="rId2"/>
               </a:rPr>
               <a:t>"http://maven.apache.org/POM/4.0.0" </a:t>
             </a:r>
@@ -5157,45 +5333,45 @@
                 </a:solidFill>
                 <a:latin typeface="Courier New" panose="02070309020205020404"/>
                 <a:cs typeface="Courier New" panose="02070309020205020404"/>
+                <a:hlinkClick r:id="rId3"/>
+              </a:rPr>
+              <a:t>"http://www.w3.org/2001/XMLSchema-instance" </a:t>
+            </a:r>
+            <a:r>
+              <a:rPr sz="2300" spc="-1370" dirty="0">
+                <a:solidFill>
+                  <a:srgbClr val="3933FF"/>
+                </a:solidFill>
+                <a:latin typeface="Courier New" panose="02070309020205020404"/>
+                <a:cs typeface="Courier New" panose="02070309020205020404"/>
+              </a:rPr>
+              <a:t> </a:t>
+            </a:r>
+            <a:r>
+              <a:rPr sz="2300" spc="-5" dirty="0">
+                <a:solidFill>
+                  <a:srgbClr val="932192"/>
+                </a:solidFill>
+                <a:latin typeface="Courier New" panose="02070309020205020404"/>
+                <a:cs typeface="Courier New" panose="02070309020205020404"/>
+              </a:rPr>
+              <a:t>xsi:schemaLocation</a:t>
+            </a:r>
+            <a:r>
+              <a:rPr sz="2300" spc="-5" dirty="0">
+                <a:latin typeface="Courier New" panose="02070309020205020404"/>
+                <a:cs typeface="Courier New" panose="02070309020205020404"/>
+              </a:rPr>
+              <a:t>=</a:t>
+            </a:r>
+            <a:r>
+              <a:rPr sz="2300" spc="-5" dirty="0">
+                <a:solidFill>
+                  <a:srgbClr val="3933FF"/>
+                </a:solidFill>
+                <a:latin typeface="Courier New" panose="02070309020205020404"/>
+                <a:cs typeface="Courier New" panose="02070309020205020404"/>
                 <a:hlinkClick r:id="rId2"/>
-              </a:rPr>
-              <a:t>"http://www.w3.org/2001/XMLSchema-instance" </a:t>
-            </a:r>
-            <a:r>
-              <a:rPr sz="2300" spc="-1370" dirty="0">
-                <a:solidFill>
-                  <a:srgbClr val="3933FF"/>
-                </a:solidFill>
-                <a:latin typeface="Courier New" panose="02070309020205020404"/>
-                <a:cs typeface="Courier New" panose="02070309020205020404"/>
-              </a:rPr>
-              <a:t> </a:t>
-            </a:r>
-            <a:r>
-              <a:rPr sz="2300" spc="-5" dirty="0">
-                <a:solidFill>
-                  <a:srgbClr val="932192"/>
-                </a:solidFill>
-                <a:latin typeface="Courier New" panose="02070309020205020404"/>
-                <a:cs typeface="Courier New" panose="02070309020205020404"/>
-              </a:rPr>
-              <a:t>xsi:schemaLocation</a:t>
-            </a:r>
-            <a:r>
-              <a:rPr sz="2300" spc="-5" dirty="0">
-                <a:latin typeface="Courier New" panose="02070309020205020404"/>
-                <a:cs typeface="Courier New" panose="02070309020205020404"/>
-              </a:rPr>
-              <a:t>=</a:t>
-            </a:r>
-            <a:r>
-              <a:rPr sz="2300" spc="-5" dirty="0">
-                <a:solidFill>
-                  <a:srgbClr val="3933FF"/>
-                </a:solidFill>
-                <a:latin typeface="Courier New" panose="02070309020205020404"/>
-                <a:cs typeface="Courier New" panose="02070309020205020404"/>
-                <a:hlinkClick r:id="rId1"/>
               </a:rPr>
               <a:t>"http://maven.apache.org/POM/4.0.0</a:t>
             </a:r>
@@ -5220,7 +5396,7 @@
                 </a:solidFill>
                 <a:latin typeface="Courier New" panose="02070309020205020404"/>
                 <a:cs typeface="Courier New" panose="02070309020205020404"/>
-                <a:hlinkClick r:id="rId3"/>
+                <a:hlinkClick r:id="rId4"/>
               </a:rPr>
               <a:t>http://maven.apache.org/maven-v4_0_0.xsd"</a:t>
             </a:r>
@@ -6077,9 +6253,11 @@
         <p:spPr/>
         <p:txBody>
           <a:bodyPr/>
+          <a:lstStyle/>
           <a:p>
             <a:fld id="{B6F15528-21DE-4FAA-801E-634DDDAF4B2B}" type="slidenum">
               <a:rPr/>
+              <a:t>8</a:t>
             </a:fld>
             <a:endParaRPr/>
           </a:p>
@@ -6289,9 +6467,11 @@
         <p:spPr/>
         <p:txBody>
           <a:bodyPr/>
+          <a:lstStyle/>
           <a:p>
             <a:fld id="{B6F15528-21DE-4FAA-801E-634DDDAF4B2B}" type="slidenum">
               <a:rPr/>
+              <a:t>9</a:t>
             </a:fld>
             <a:endParaRPr/>
           </a:p>
@@ -6583,6 +6763,8 @@
       </a:bgFillStyleLst>
     </a:fmtScheme>
   </a:themeElements>
+  <a:objectDefaults/>
+  <a:extraClrSchemeLst/>
   <a:extLst>
     <a:ext uri="{05A4C25C-085E-4340-85A3-A5531E510DB2}">
       <thm15:themeFamily xmlns:thm15="http://schemas.microsoft.com/office/thememl/2012/main" name="Office Theme" id="{62F939B6-93AF-4DB8-9C6B-D6C7DFDC589F}" vid="{4A3C46E8-61CC-4603-A589-7422A47A8E4A}"/>
@@ -6842,6 +7024,8 @@
       </a:bgFillStyleLst>
     </a:fmtScheme>
   </a:themeElements>
+  <a:objectDefaults/>
+  <a:extraClrSchemeLst/>
   <a:extLst>
     <a:ext uri="{05A4C25C-085E-4340-85A3-A5531E510DB2}">
       <thm15:themeFamily xmlns:thm15="http://schemas.microsoft.com/office/thememl/2012/main" name="Office Theme" id="{62F939B6-93AF-4DB8-9C6B-D6C7DFDC589F}" vid="{4A3C46E8-61CC-4603-A589-7422A47A8E4A}"/>
@@ -7101,6 +7285,8 @@
       </a:bgFillStyleLst>
     </a:fmtScheme>
   </a:themeElements>
+  <a:objectDefaults/>
+  <a:extraClrSchemeLst/>
   <a:extLst>
     <a:ext uri="{05A4C25C-085E-4340-85A3-A5531E510DB2}">
       <thm15:themeFamily xmlns:thm15="http://schemas.microsoft.com/office/thememl/2012/main" name="Office Theme" id="{62F939B6-93AF-4DB8-9C6B-D6C7DFDC589F}" vid="{4A3C46E8-61CC-4603-A589-7422A47A8E4A}"/>
